--- a/Male Fertility Test PowerPoint.pptx
+++ b/Male Fertility Test PowerPoint.pptx
@@ -13,11 +13,8 @@
     <p:sldId id="264" r:id="rId7"/>
     <p:sldId id="265" r:id="rId8"/>
     <p:sldId id="266" r:id="rId9"/>
-    <p:sldId id="269" r:id="rId10"/>
-    <p:sldId id="267" r:id="rId11"/>
-    <p:sldId id="263" r:id="rId12"/>
-    <p:sldId id="258" r:id="rId13"/>
-    <p:sldId id="268" r:id="rId14"/>
+    <p:sldId id="267" r:id="rId10"/>
+    <p:sldId id="268" r:id="rId11"/>
   </p:sldIdLst>
   <p:sldSz cx="12192000" cy="6858000"/>
   <p:notesSz cx="6858000" cy="9144000"/>
@@ -271,7 +268,7 @@
           <a:p>
             <a:fld id="{AD274546-FEE1-42D0-AF09-9E123D1AE69B}" type="datetimeFigureOut">
               <a:rPr lang="en-US" smtClean="0"/>
-              <a:t>11/4/2019</a:t>
+              <a:t>11/5/2019</a:t>
             </a:fld>
             <a:endParaRPr lang="en-US" dirty="0"/>
           </a:p>
@@ -469,7 +466,7 @@
           <a:p>
             <a:fld id="{AD274546-FEE1-42D0-AF09-9E123D1AE69B}" type="datetimeFigureOut">
               <a:rPr lang="en-US" smtClean="0"/>
-              <a:t>11/4/2019</a:t>
+              <a:t>11/5/2019</a:t>
             </a:fld>
             <a:endParaRPr lang="en-US" dirty="0"/>
           </a:p>
@@ -677,7 +674,7 @@
           <a:p>
             <a:fld id="{AD274546-FEE1-42D0-AF09-9E123D1AE69B}" type="datetimeFigureOut">
               <a:rPr lang="en-US" smtClean="0"/>
-              <a:t>11/4/2019</a:t>
+              <a:t>11/5/2019</a:t>
             </a:fld>
             <a:endParaRPr lang="en-US" dirty="0"/>
           </a:p>
@@ -875,7 +872,7 @@
           <a:p>
             <a:fld id="{AD274546-FEE1-42D0-AF09-9E123D1AE69B}" type="datetimeFigureOut">
               <a:rPr lang="en-US" smtClean="0"/>
-              <a:t>11/4/2019</a:t>
+              <a:t>11/5/2019</a:t>
             </a:fld>
             <a:endParaRPr lang="en-US" dirty="0"/>
           </a:p>
@@ -1150,7 +1147,7 @@
           <a:p>
             <a:fld id="{AD274546-FEE1-42D0-AF09-9E123D1AE69B}" type="datetimeFigureOut">
               <a:rPr lang="en-US" smtClean="0"/>
-              <a:t>11/4/2019</a:t>
+              <a:t>11/5/2019</a:t>
             </a:fld>
             <a:endParaRPr lang="en-US" dirty="0"/>
           </a:p>
@@ -1415,7 +1412,7 @@
           <a:p>
             <a:fld id="{AD274546-FEE1-42D0-AF09-9E123D1AE69B}" type="datetimeFigureOut">
               <a:rPr lang="en-US" smtClean="0"/>
-              <a:t>11/4/2019</a:t>
+              <a:t>11/5/2019</a:t>
             </a:fld>
             <a:endParaRPr lang="en-US" dirty="0"/>
           </a:p>
@@ -1827,7 +1824,7 @@
           <a:p>
             <a:fld id="{AD274546-FEE1-42D0-AF09-9E123D1AE69B}" type="datetimeFigureOut">
               <a:rPr lang="en-US" smtClean="0"/>
-              <a:t>11/4/2019</a:t>
+              <a:t>11/5/2019</a:t>
             </a:fld>
             <a:endParaRPr lang="en-US" dirty="0"/>
           </a:p>
@@ -1968,7 +1965,7 @@
           <a:p>
             <a:fld id="{AD274546-FEE1-42D0-AF09-9E123D1AE69B}" type="datetimeFigureOut">
               <a:rPr lang="en-US" smtClean="0"/>
-              <a:t>11/4/2019</a:t>
+              <a:t>11/5/2019</a:t>
             </a:fld>
             <a:endParaRPr lang="en-US" dirty="0"/>
           </a:p>
@@ -2081,7 +2078,7 @@
           <a:p>
             <a:fld id="{AD274546-FEE1-42D0-AF09-9E123D1AE69B}" type="datetimeFigureOut">
               <a:rPr lang="en-US" smtClean="0"/>
-              <a:t>11/4/2019</a:t>
+              <a:t>11/5/2019</a:t>
             </a:fld>
             <a:endParaRPr lang="en-US" dirty="0"/>
           </a:p>
@@ -2392,7 +2389,7 @@
           <a:p>
             <a:fld id="{AD274546-FEE1-42D0-AF09-9E123D1AE69B}" type="datetimeFigureOut">
               <a:rPr lang="en-US" smtClean="0"/>
-              <a:t>11/4/2019</a:t>
+              <a:t>11/5/2019</a:t>
             </a:fld>
             <a:endParaRPr lang="en-US" dirty="0"/>
           </a:p>
@@ -2680,7 +2677,7 @@
           <a:p>
             <a:fld id="{AD274546-FEE1-42D0-AF09-9E123D1AE69B}" type="datetimeFigureOut">
               <a:rPr lang="en-US" smtClean="0"/>
-              <a:t>11/4/2019</a:t>
+              <a:t>11/5/2019</a:t>
             </a:fld>
             <a:endParaRPr lang="en-US" dirty="0"/>
           </a:p>
@@ -2930,7 +2927,7 @@
           <a:p>
             <a:fld id="{AD274546-FEE1-42D0-AF09-9E123D1AE69B}" type="datetimeFigureOut">
               <a:rPr lang="en-US" smtClean="0"/>
-              <a:t>11/4/2019</a:t>
+              <a:t>11/5/2019</a:t>
             </a:fld>
             <a:endParaRPr lang="en-US" dirty="0"/>
           </a:p>
@@ -3458,441 +3455,6 @@
       </p:grpSpPr>
       <p:sp>
         <p:nvSpPr>
-          <p:cNvPr id="2" name="Title 1">
-            <a:extLst>
-              <a:ext uri="{FF2B5EF4-FFF2-40B4-BE49-F238E27FC236}">
-                <a16:creationId xmlns:a16="http://schemas.microsoft.com/office/drawing/2014/main" id="{9C7AC562-3A03-4917-9C41-9FFD02030B27}"/>
-              </a:ext>
-            </a:extLst>
-          </p:cNvPr>
-          <p:cNvSpPr>
-            <a:spLocks noGrp="1"/>
-          </p:cNvSpPr>
-          <p:nvPr>
-            <p:ph type="title"/>
-          </p:nvPr>
-        </p:nvSpPr>
-        <p:spPr/>
-        <p:txBody>
-          <a:bodyPr/>
-          <a:lstStyle/>
-          <a:p>
-            <a:r>
-              <a:rPr lang="en-US" dirty="0">
-                <a:solidFill>
-                  <a:srgbClr val="0070C0"/>
-                </a:solidFill>
-                <a:latin typeface="Century Schoolbook" panose="02040604050505020304" pitchFamily="18" charset="0"/>
-              </a:rPr>
-              <a:t>AWS – Amazon Web Services </a:t>
-            </a:r>
-          </a:p>
-        </p:txBody>
-      </p:sp>
-      <p:sp>
-        <p:nvSpPr>
-          <p:cNvPr id="3" name="Content Placeholder 2">
-            <a:extLst>
-              <a:ext uri="{FF2B5EF4-FFF2-40B4-BE49-F238E27FC236}">
-                <a16:creationId xmlns:a16="http://schemas.microsoft.com/office/drawing/2014/main" id="{C657AD83-FFA8-4AB7-8FCD-850EB9AE6DD2}"/>
-              </a:ext>
-            </a:extLst>
-          </p:cNvPr>
-          <p:cNvSpPr>
-            <a:spLocks noGrp="1"/>
-          </p:cNvSpPr>
-          <p:nvPr>
-            <p:ph idx="1"/>
-          </p:nvPr>
-        </p:nvSpPr>
-        <p:spPr>
-          <a:xfrm>
-            <a:off x="838200" y="1430215"/>
-            <a:ext cx="10515600" cy="4746748"/>
-          </a:xfrm>
-          <a:solidFill>
-            <a:schemeClr val="bg1"/>
-          </a:solidFill>
-        </p:spPr>
-        <p:txBody>
-          <a:bodyPr/>
-          <a:lstStyle/>
-          <a:p>
-            <a:r>
-              <a:rPr lang="en-US" dirty="0"/>
-              <a:t>S3 to store webpages</a:t>
-            </a:r>
-          </a:p>
-          <a:p>
-            <a:r>
-              <a:rPr lang="en-US" dirty="0"/>
-              <a:t>API Gateway – activated by the submit button and triggers the Lambda function</a:t>
-            </a:r>
-          </a:p>
-          <a:p>
-            <a:r>
-              <a:rPr lang="en-US" dirty="0"/>
-              <a:t>Two Lambda Functions </a:t>
-            </a:r>
-          </a:p>
-          <a:p>
-            <a:pPr lvl="1"/>
-            <a:r>
-              <a:rPr lang="en-US" dirty="0"/>
-              <a:t>First to pull in the responses from and post the results to the HTML page</a:t>
-            </a:r>
-          </a:p>
-          <a:p>
-            <a:pPr lvl="1"/>
-            <a:r>
-              <a:rPr lang="en-US" dirty="0"/>
-              <a:t>Second to send the responses to and receive the predictive analytic results from MS Azure via an API call</a:t>
-            </a:r>
-          </a:p>
-          <a:p>
-            <a:r>
-              <a:rPr lang="en-US" dirty="0"/>
-              <a:t>IAM to control security</a:t>
-            </a:r>
-          </a:p>
-          <a:p>
-            <a:pPr lvl="1"/>
-            <a:r>
-              <a:rPr lang="en-US" dirty="0"/>
-              <a:t>To control user and function security</a:t>
-            </a:r>
-          </a:p>
-          <a:p>
-            <a:pPr lvl="1"/>
-            <a:endParaRPr lang="en-US" dirty="0"/>
-          </a:p>
-          <a:p>
-            <a:pPr lvl="1"/>
-            <a:endParaRPr lang="en-US" dirty="0"/>
-          </a:p>
-          <a:p>
-            <a:pPr lvl="1"/>
-            <a:endParaRPr lang="en-US" dirty="0"/>
-          </a:p>
-          <a:p>
-            <a:pPr lvl="1"/>
-            <a:endParaRPr lang="en-US" dirty="0"/>
-          </a:p>
-          <a:p>
-            <a:pPr marL="457200" lvl="1" indent="0">
-              <a:buNone/>
-            </a:pPr>
-            <a:endParaRPr lang="en-US" dirty="0"/>
-          </a:p>
-          <a:p>
-            <a:pPr marL="457200" lvl="1" indent="0">
-              <a:buNone/>
-            </a:pPr>
-            <a:endParaRPr lang="en-US" dirty="0"/>
-          </a:p>
-        </p:txBody>
-      </p:sp>
-    </p:spTree>
-    <p:extLst>
-      <p:ext uri="{BB962C8B-B14F-4D97-AF65-F5344CB8AC3E}">
-        <p14:creationId xmlns:p14="http://schemas.microsoft.com/office/powerpoint/2010/main" val="2088176968"/>
-      </p:ext>
-    </p:extLst>
-  </p:cSld>
-  <p:clrMapOvr>
-    <a:masterClrMapping/>
-  </p:clrMapOvr>
-</p:sld>
-</file>
-
-<file path=ppt/slides/slide11.xml><?xml version="1.0" encoding="utf-8"?>
-<p:sld xmlns:a="http://schemas.openxmlformats.org/drawingml/2006/main" xmlns:r="http://schemas.openxmlformats.org/officeDocument/2006/relationships" xmlns:p="http://schemas.openxmlformats.org/presentationml/2006/main">
-  <p:cSld>
-    <p:spTree>
-      <p:nvGrpSpPr>
-        <p:cNvPr id="1" name=""/>
-        <p:cNvGrpSpPr/>
-        <p:nvPr/>
-      </p:nvGrpSpPr>
-      <p:grpSpPr>
-        <a:xfrm>
-          <a:off x="0" y="0"/>
-          <a:ext cx="0" cy="0"/>
-          <a:chOff x="0" y="0"/>
-          <a:chExt cx="0" cy="0"/>
-        </a:xfrm>
-      </p:grpSpPr>
-      <p:sp>
-        <p:nvSpPr>
-          <p:cNvPr id="2" name="Title 1">
-            <a:extLst>
-              <a:ext uri="{FF2B5EF4-FFF2-40B4-BE49-F238E27FC236}">
-                <a16:creationId xmlns:a16="http://schemas.microsoft.com/office/drawing/2014/main" id="{9C7AC562-3A03-4917-9C41-9FFD02030B27}"/>
-              </a:ext>
-            </a:extLst>
-          </p:cNvPr>
-          <p:cNvSpPr>
-            <a:spLocks noGrp="1"/>
-          </p:cNvSpPr>
-          <p:nvPr>
-            <p:ph type="title"/>
-          </p:nvPr>
-        </p:nvSpPr>
-        <p:spPr/>
-        <p:txBody>
-          <a:bodyPr/>
-          <a:lstStyle/>
-          <a:p>
-            <a:r>
-              <a:rPr lang="en-US" dirty="0">
-                <a:solidFill>
-                  <a:srgbClr val="0070C0"/>
-                </a:solidFill>
-                <a:latin typeface="Century Schoolbook" panose="02040604050505020304" pitchFamily="18" charset="0"/>
-              </a:rPr>
-              <a:t>Tools Used</a:t>
-            </a:r>
-          </a:p>
-        </p:txBody>
-      </p:sp>
-      <p:sp>
-        <p:nvSpPr>
-          <p:cNvPr id="3" name="Content Placeholder 2">
-            <a:extLst>
-              <a:ext uri="{FF2B5EF4-FFF2-40B4-BE49-F238E27FC236}">
-                <a16:creationId xmlns:a16="http://schemas.microsoft.com/office/drawing/2014/main" id="{C657AD83-FFA8-4AB7-8FCD-850EB9AE6DD2}"/>
-              </a:ext>
-            </a:extLst>
-          </p:cNvPr>
-          <p:cNvSpPr>
-            <a:spLocks noGrp="1"/>
-          </p:cNvSpPr>
-          <p:nvPr>
-            <p:ph idx="1"/>
-          </p:nvPr>
-        </p:nvSpPr>
-        <p:spPr>
-          <a:solidFill>
-            <a:schemeClr val="bg1"/>
-          </a:solidFill>
-        </p:spPr>
-        <p:txBody>
-          <a:bodyPr>
-            <a:normAutofit/>
-          </a:bodyPr>
-          <a:lstStyle/>
-          <a:p>
-            <a:r>
-              <a:rPr lang="en-US" dirty="0"/>
-              <a:t>Python Pandas, </a:t>
-            </a:r>
-            <a:r>
-              <a:rPr lang="en-US" dirty="0" err="1"/>
-              <a:t>Scikit</a:t>
-            </a:r>
-            <a:r>
-              <a:rPr lang="en-US" dirty="0"/>
-              <a:t>-Learn, TensorFlow, </a:t>
-            </a:r>
-            <a:r>
-              <a:rPr lang="en-US" dirty="0" err="1"/>
-              <a:t>Keras</a:t>
-            </a:r>
-            <a:endParaRPr lang="en-US" dirty="0"/>
-          </a:p>
-          <a:p>
-            <a:r>
-              <a:rPr lang="en-US" dirty="0"/>
-              <a:t>HTML/CSS/Bootstrap</a:t>
-            </a:r>
-          </a:p>
-          <a:p>
-            <a:r>
-              <a:rPr lang="en-US" dirty="0" err="1"/>
-              <a:t>Javascript</a:t>
-            </a:r>
-            <a:endParaRPr lang="en-US" dirty="0"/>
-          </a:p>
-          <a:p>
-            <a:r>
-              <a:rPr lang="en-US" dirty="0"/>
-              <a:t>Node JS</a:t>
-            </a:r>
-          </a:p>
-          <a:p>
-            <a:r>
-              <a:rPr lang="en-US" dirty="0"/>
-              <a:t>Amazon AWS</a:t>
-            </a:r>
-          </a:p>
-          <a:p>
-            <a:r>
-              <a:rPr lang="en-US" dirty="0"/>
-              <a:t>Microsoft Azure</a:t>
-            </a:r>
-          </a:p>
-        </p:txBody>
-      </p:sp>
-    </p:spTree>
-    <p:extLst>
-      <p:ext uri="{BB962C8B-B14F-4D97-AF65-F5344CB8AC3E}">
-        <p14:creationId xmlns:p14="http://schemas.microsoft.com/office/powerpoint/2010/main" val="2962275183"/>
-      </p:ext>
-    </p:extLst>
-  </p:cSld>
-  <p:clrMapOvr>
-    <a:masterClrMapping/>
-  </p:clrMapOvr>
-</p:sld>
-</file>
-
-<file path=ppt/slides/slide12.xml><?xml version="1.0" encoding="utf-8"?>
-<p:sld xmlns:a="http://schemas.openxmlformats.org/drawingml/2006/main" xmlns:r="http://schemas.openxmlformats.org/officeDocument/2006/relationships" xmlns:p="http://schemas.openxmlformats.org/presentationml/2006/main">
-  <p:cSld>
-    <p:spTree>
-      <p:nvGrpSpPr>
-        <p:cNvPr id="1" name=""/>
-        <p:cNvGrpSpPr/>
-        <p:nvPr/>
-      </p:nvGrpSpPr>
-      <p:grpSpPr>
-        <a:xfrm>
-          <a:off x="0" y="0"/>
-          <a:ext cx="0" cy="0"/>
-          <a:chOff x="0" y="0"/>
-          <a:chExt cx="0" cy="0"/>
-        </a:xfrm>
-      </p:grpSpPr>
-      <p:sp>
-        <p:nvSpPr>
-          <p:cNvPr id="2" name="Title 1">
-            <a:extLst>
-              <a:ext uri="{FF2B5EF4-FFF2-40B4-BE49-F238E27FC236}">
-                <a16:creationId xmlns:a16="http://schemas.microsoft.com/office/drawing/2014/main" id="{B5E52FD4-22DB-42B1-B534-7C2165CFF488}"/>
-              </a:ext>
-            </a:extLst>
-          </p:cNvPr>
-          <p:cNvSpPr>
-            <a:spLocks noGrp="1"/>
-          </p:cNvSpPr>
-          <p:nvPr>
-            <p:ph type="title"/>
-          </p:nvPr>
-        </p:nvSpPr>
-        <p:spPr/>
-        <p:txBody>
-          <a:bodyPr/>
-          <a:lstStyle/>
-          <a:p>
-            <a:r>
-              <a:rPr lang="en-US" dirty="0">
-                <a:solidFill>
-                  <a:srgbClr val="0070C0"/>
-                </a:solidFill>
-                <a:latin typeface="Century Schoolbook" panose="02040604050505020304" pitchFamily="18" charset="0"/>
-              </a:rPr>
-              <a:t>References</a:t>
-            </a:r>
-          </a:p>
-        </p:txBody>
-      </p:sp>
-      <p:sp>
-        <p:nvSpPr>
-          <p:cNvPr id="3" name="Content Placeholder 2">
-            <a:extLst>
-              <a:ext uri="{FF2B5EF4-FFF2-40B4-BE49-F238E27FC236}">
-                <a16:creationId xmlns:a16="http://schemas.microsoft.com/office/drawing/2014/main" id="{B034D485-FAA1-47D0-90E8-D9AFF5C19BAD}"/>
-              </a:ext>
-            </a:extLst>
-          </p:cNvPr>
-          <p:cNvSpPr>
-            <a:spLocks noGrp="1"/>
-          </p:cNvSpPr>
-          <p:nvPr>
-            <p:ph idx="1"/>
-          </p:nvPr>
-        </p:nvSpPr>
-        <p:spPr>
-          <a:solidFill>
-            <a:schemeClr val="bg1"/>
-          </a:solidFill>
-        </p:spPr>
-        <p:txBody>
-          <a:bodyPr/>
-          <a:lstStyle/>
-          <a:p>
-            <a:r>
-              <a:rPr lang="en-US" dirty="0">
-                <a:hlinkClick r:id="rId2"/>
-              </a:rPr>
-              <a:t>https://medicalxpress.com/news/2014-09-history-medical-male-infertility.html</a:t>
-            </a:r>
-            <a:endParaRPr lang="en-US" dirty="0"/>
-          </a:p>
-          <a:p>
-            <a:r>
-              <a:rPr lang="en-US" dirty="0">
-                <a:hlinkClick r:id="rId3"/>
-              </a:rPr>
-              <a:t>https://medium.com/@katylindemann/fertilityfellas-a-brief-history-of-male-infertility-e2b04bb6b372</a:t>
-            </a:r>
-            <a:endParaRPr lang="en-US" dirty="0"/>
-          </a:p>
-          <a:p>
-            <a:r>
-              <a:rPr lang="en-US" dirty="0">
-                <a:hlinkClick r:id="rId4"/>
-              </a:rPr>
-              <a:t>https://www.sciencedirect.com/science/article/pii/S0957417412007269</a:t>
-            </a:r>
-            <a:endParaRPr lang="en-US" dirty="0"/>
-          </a:p>
-          <a:p>
-            <a:r>
-              <a:rPr lang="en-US" dirty="0">
-                <a:hlinkClick r:id="rId5"/>
-              </a:rPr>
-              <a:t>https://archive.ics.uci.edu/ml/datasets/Fertility</a:t>
-            </a:r>
-            <a:endParaRPr lang="en-US" dirty="0"/>
-          </a:p>
-          <a:p>
-            <a:endParaRPr lang="en-US" dirty="0"/>
-          </a:p>
-        </p:txBody>
-      </p:sp>
-    </p:spTree>
-    <p:extLst>
-      <p:ext uri="{BB962C8B-B14F-4D97-AF65-F5344CB8AC3E}">
-        <p14:creationId xmlns:p14="http://schemas.microsoft.com/office/powerpoint/2010/main" val="882692680"/>
-      </p:ext>
-    </p:extLst>
-  </p:cSld>
-  <p:clrMapOvr>
-    <a:masterClrMapping/>
-  </p:clrMapOvr>
-</p:sld>
-</file>
-
-<file path=ppt/slides/slide13.xml><?xml version="1.0" encoding="utf-8"?>
-<p:sld xmlns:a="http://schemas.openxmlformats.org/drawingml/2006/main" xmlns:r="http://schemas.openxmlformats.org/officeDocument/2006/relationships" xmlns:p="http://schemas.openxmlformats.org/presentationml/2006/main">
-  <p:cSld>
-    <p:spTree>
-      <p:nvGrpSpPr>
-        <p:cNvPr id="1" name=""/>
-        <p:cNvGrpSpPr/>
-        <p:nvPr/>
-      </p:nvGrpSpPr>
-      <p:grpSpPr>
-        <a:xfrm>
-          <a:off x="0" y="0"/>
-          <a:ext cx="0" cy="0"/>
-          <a:chOff x="0" y="0"/>
-          <a:chExt cx="0" cy="0"/>
-        </a:xfrm>
-      </p:grpSpPr>
-      <p:sp>
-        <p:nvSpPr>
           <p:cNvPr id="3" name="Content Placeholder 2">
             <a:extLst>
               <a:ext uri="{FF2B5EF4-FFF2-40B4-BE49-F238E27FC236}">
@@ -4900,7 +4462,15 @@
             </a:r>
             <a:r>
               <a:rPr lang="en-US" dirty="0"/>
-              <a:t>, one hot encoding</a:t>
+              <a:t>, one hot encoding in a Google </a:t>
+            </a:r>
+            <a:r>
+              <a:rPr lang="en-US" dirty="0" err="1"/>
+              <a:t>Colab</a:t>
+            </a:r>
+            <a:r>
+              <a:rPr lang="en-US" dirty="0"/>
+              <a:t> Notebook:</a:t>
             </a:r>
           </a:p>
           <a:p>
@@ -4935,10 +4505,10 @@
       </p:sp>
       <p:pic>
         <p:nvPicPr>
-          <p:cNvPr id="5" name="Picture 4">
-            <a:extLst>
-              <a:ext uri="{FF2B5EF4-FFF2-40B4-BE49-F238E27FC236}">
-                <a16:creationId xmlns:a16="http://schemas.microsoft.com/office/drawing/2014/main" id="{48E021FD-F408-4FB6-863F-5A1B341D9B90}"/>
+          <p:cNvPr id="4" name="Picture 3">
+            <a:extLst>
+              <a:ext uri="{FF2B5EF4-FFF2-40B4-BE49-F238E27FC236}">
+                <a16:creationId xmlns:a16="http://schemas.microsoft.com/office/drawing/2014/main" id="{6C7C36EB-357A-426C-A25B-CACC3E8E37E4}"/>
               </a:ext>
             </a:extLst>
           </p:cNvPr>
@@ -4955,68 +4525,8 @@
         </p:blipFill>
         <p:spPr>
           <a:xfrm>
-            <a:off x="164511" y="2755778"/>
-            <a:ext cx="5285714" cy="3133333"/>
-          </a:xfrm>
-          <a:prstGeom prst="rect">
-            <a:avLst/>
-          </a:prstGeom>
-        </p:spPr>
-      </p:pic>
-      <p:pic>
-        <p:nvPicPr>
-          <p:cNvPr id="6" name="Picture 5">
-            <a:extLst>
-              <a:ext uri="{FF2B5EF4-FFF2-40B4-BE49-F238E27FC236}">
-                <a16:creationId xmlns:a16="http://schemas.microsoft.com/office/drawing/2014/main" id="{983DAA48-2446-4B51-8645-DA8B3B1587FD}"/>
-              </a:ext>
-            </a:extLst>
-          </p:cNvPr>
-          <p:cNvPicPr>
-            <a:picLocks noChangeAspect="1"/>
-          </p:cNvPicPr>
-          <p:nvPr/>
-        </p:nvPicPr>
-        <p:blipFill>
-          <a:blip r:embed="rId3"/>
-          <a:stretch>
-            <a:fillRect/>
-          </a:stretch>
-        </p:blipFill>
-        <p:spPr>
-          <a:xfrm>
-            <a:off x="4265338" y="2359542"/>
-            <a:ext cx="6828571" cy="4133333"/>
-          </a:xfrm>
-          <a:prstGeom prst="rect">
-            <a:avLst/>
-          </a:prstGeom>
-        </p:spPr>
-      </p:pic>
-      <p:pic>
-        <p:nvPicPr>
-          <p:cNvPr id="8" name="Picture 7">
-            <a:extLst>
-              <a:ext uri="{FF2B5EF4-FFF2-40B4-BE49-F238E27FC236}">
-                <a16:creationId xmlns:a16="http://schemas.microsoft.com/office/drawing/2014/main" id="{4E31331D-E016-408E-8FE5-5D8DDEFD2650}"/>
-              </a:ext>
-            </a:extLst>
-          </p:cNvPr>
-          <p:cNvPicPr>
-            <a:picLocks noChangeAspect="1"/>
-          </p:cNvPicPr>
-          <p:nvPr/>
-        </p:nvPicPr>
-        <p:blipFill>
-          <a:blip r:embed="rId4"/>
-          <a:stretch>
-            <a:fillRect/>
-          </a:stretch>
-        </p:blipFill>
-        <p:spPr>
-          <a:xfrm>
-            <a:off x="7679624" y="5036730"/>
-            <a:ext cx="6952381" cy="1704762"/>
+            <a:off x="1828799" y="2755778"/>
+            <a:ext cx="7880678" cy="3943977"/>
           </a:xfrm>
           <a:prstGeom prst="rect">
             <a:avLst/>
@@ -5174,45 +4684,118 @@
                 </a:solidFill>
                 <a:latin typeface="Century Schoolbook" panose="02040604050505020304" pitchFamily="18" charset="0"/>
               </a:rPr>
-              <a:t>Azure Machine Learning</a:t>
-            </a:r>
-          </a:p>
-        </p:txBody>
-      </p:sp>
-      <p:pic>
-        <p:nvPicPr>
-          <p:cNvPr id="4" name="Picture 3">
-            <a:extLst>
-              <a:ext uri="{FF2B5EF4-FFF2-40B4-BE49-F238E27FC236}">
-                <a16:creationId xmlns:a16="http://schemas.microsoft.com/office/drawing/2014/main" id="{43F504A6-2841-47F6-B2D1-91A71B37EE25}"/>
-              </a:ext>
-            </a:extLst>
-          </p:cNvPr>
-          <p:cNvPicPr>
-            <a:picLocks noChangeAspect="1"/>
-          </p:cNvPicPr>
-          <p:nvPr/>
-        </p:nvPicPr>
-        <p:blipFill>
-          <a:blip r:embed="rId2"/>
-          <a:stretch>
-            <a:fillRect/>
-          </a:stretch>
-        </p:blipFill>
+              <a:t>AWS – Amazon Web Services </a:t>
+            </a:r>
+          </a:p>
+        </p:txBody>
+      </p:sp>
+      <p:sp>
+        <p:nvSpPr>
+          <p:cNvPr id="3" name="Content Placeholder 2">
+            <a:extLst>
+              <a:ext uri="{FF2B5EF4-FFF2-40B4-BE49-F238E27FC236}">
+                <a16:creationId xmlns:a16="http://schemas.microsoft.com/office/drawing/2014/main" id="{C657AD83-FFA8-4AB7-8FCD-850EB9AE6DD2}"/>
+              </a:ext>
+            </a:extLst>
+          </p:cNvPr>
+          <p:cNvSpPr>
+            <a:spLocks noGrp="1"/>
+          </p:cNvSpPr>
+          <p:nvPr>
+            <p:ph idx="1"/>
+          </p:nvPr>
+        </p:nvSpPr>
         <p:spPr>
           <a:xfrm>
-            <a:off x="1731011" y="1518600"/>
-            <a:ext cx="8729977" cy="4974275"/>
+            <a:off x="838200" y="1430215"/>
+            <a:ext cx="10515600" cy="4746748"/>
           </a:xfrm>
-          <a:prstGeom prst="rect">
-            <a:avLst/>
-          </a:prstGeom>
+          <a:solidFill>
+            <a:schemeClr val="bg1"/>
+          </a:solidFill>
         </p:spPr>
-      </p:pic>
+        <p:txBody>
+          <a:bodyPr/>
+          <a:lstStyle/>
+          <a:p>
+            <a:r>
+              <a:rPr lang="en-US" dirty="0"/>
+              <a:t>S3 to store the backend webpage files</a:t>
+            </a:r>
+          </a:p>
+          <a:p>
+            <a:r>
+              <a:rPr lang="en-US" dirty="0"/>
+              <a:t>API Gateway – activated by the submit button and triggers the Lambda function</a:t>
+            </a:r>
+          </a:p>
+          <a:p>
+            <a:r>
+              <a:rPr lang="en-US" dirty="0"/>
+              <a:t>Two Lambda Functions </a:t>
+            </a:r>
+          </a:p>
+          <a:p>
+            <a:pPr lvl="1"/>
+            <a:r>
+              <a:rPr lang="en-US" dirty="0"/>
+              <a:t>The first triggers the second lambda function and sends it the data from the html</a:t>
+            </a:r>
+          </a:p>
+          <a:p>
+            <a:pPr lvl="1"/>
+            <a:r>
+              <a:rPr lang="en-US" dirty="0"/>
+              <a:t>The second sends the data to MS Azure via an API call and returns the results to the first lambda function</a:t>
+            </a:r>
+          </a:p>
+          <a:p>
+            <a:r>
+              <a:rPr lang="en-US" dirty="0"/>
+              <a:t>IAM to control security</a:t>
+            </a:r>
+          </a:p>
+          <a:p>
+            <a:pPr lvl="1"/>
+            <a:r>
+              <a:rPr lang="en-US" dirty="0"/>
+              <a:t>To control user and function security</a:t>
+            </a:r>
+          </a:p>
+          <a:p>
+            <a:pPr lvl="1"/>
+            <a:endParaRPr lang="en-US" dirty="0"/>
+          </a:p>
+          <a:p>
+            <a:pPr lvl="1"/>
+            <a:endParaRPr lang="en-US" dirty="0"/>
+          </a:p>
+          <a:p>
+            <a:pPr lvl="1"/>
+            <a:endParaRPr lang="en-US" dirty="0"/>
+          </a:p>
+          <a:p>
+            <a:pPr lvl="1"/>
+            <a:endParaRPr lang="en-US" dirty="0"/>
+          </a:p>
+          <a:p>
+            <a:pPr marL="457200" lvl="1" indent="0">
+              <a:buNone/>
+            </a:pPr>
+            <a:endParaRPr lang="en-US" dirty="0"/>
+          </a:p>
+          <a:p>
+            <a:pPr marL="457200" lvl="1" indent="0">
+              <a:buNone/>
+            </a:pPr>
+            <a:endParaRPr lang="en-US" dirty="0"/>
+          </a:p>
+        </p:txBody>
+      </p:sp>
     </p:spTree>
     <p:extLst>
       <p:ext uri="{BB962C8B-B14F-4D97-AF65-F5344CB8AC3E}">
-        <p14:creationId xmlns:p14="http://schemas.microsoft.com/office/powerpoint/2010/main" val="3191904728"/>
+        <p14:creationId xmlns:p14="http://schemas.microsoft.com/office/powerpoint/2010/main" val="2088176968"/>
       </p:ext>
     </p:extLst>
   </p:cSld>
